--- a/微微/架构/应用架构 V1.0 20190202.pptx
+++ b/微微/架构/应用架构 V1.0 20190202.pptx
@@ -7,6 +7,7 @@
   <p:sldIdLst>
     <p:sldId id="257" r:id="rId2"/>
     <p:sldId id="261" r:id="rId3"/>
+    <p:sldId id="262" r:id="rId4"/>
   </p:sldIdLst>
   <p:sldSz cx="12192000" cy="6858000"/>
   <p:notesSz cx="6858000" cy="9144000"/>
@@ -260,7 +261,7 @@
           <a:p>
             <a:fld id="{565434B3-B695-2543-B867-A174A411CBE5}" type="datetimeFigureOut">
               <a:rPr lang="en-US" smtClean="0"/>
-              <a:t>2/12/19</a:t>
+              <a:t>2/13/19</a:t>
             </a:fld>
             <a:endParaRPr lang="en-US"/>
           </a:p>
@@ -458,7 +459,7 @@
           <a:p>
             <a:fld id="{565434B3-B695-2543-B867-A174A411CBE5}" type="datetimeFigureOut">
               <a:rPr lang="en-US" smtClean="0"/>
-              <a:t>2/12/19</a:t>
+              <a:t>2/13/19</a:t>
             </a:fld>
             <a:endParaRPr lang="en-US"/>
           </a:p>
@@ -666,7 +667,7 @@
           <a:p>
             <a:fld id="{565434B3-B695-2543-B867-A174A411CBE5}" type="datetimeFigureOut">
               <a:rPr lang="en-US" smtClean="0"/>
-              <a:t>2/12/19</a:t>
+              <a:t>2/13/19</a:t>
             </a:fld>
             <a:endParaRPr lang="en-US"/>
           </a:p>
@@ -864,7 +865,7 @@
           <a:p>
             <a:fld id="{565434B3-B695-2543-B867-A174A411CBE5}" type="datetimeFigureOut">
               <a:rPr lang="en-US" smtClean="0"/>
-              <a:t>2/12/19</a:t>
+              <a:t>2/13/19</a:t>
             </a:fld>
             <a:endParaRPr lang="en-US"/>
           </a:p>
@@ -1139,7 +1140,7 @@
           <a:p>
             <a:fld id="{565434B3-B695-2543-B867-A174A411CBE5}" type="datetimeFigureOut">
               <a:rPr lang="en-US" smtClean="0"/>
-              <a:t>2/12/19</a:t>
+              <a:t>2/13/19</a:t>
             </a:fld>
             <a:endParaRPr lang="en-US"/>
           </a:p>
@@ -1404,7 +1405,7 @@
           <a:p>
             <a:fld id="{565434B3-B695-2543-B867-A174A411CBE5}" type="datetimeFigureOut">
               <a:rPr lang="en-US" smtClean="0"/>
-              <a:t>2/12/19</a:t>
+              <a:t>2/13/19</a:t>
             </a:fld>
             <a:endParaRPr lang="en-US"/>
           </a:p>
@@ -1816,7 +1817,7 @@
           <a:p>
             <a:fld id="{565434B3-B695-2543-B867-A174A411CBE5}" type="datetimeFigureOut">
               <a:rPr lang="en-US" smtClean="0"/>
-              <a:t>2/12/19</a:t>
+              <a:t>2/13/19</a:t>
             </a:fld>
             <a:endParaRPr lang="en-US"/>
           </a:p>
@@ -1957,7 +1958,7 @@
           <a:p>
             <a:fld id="{565434B3-B695-2543-B867-A174A411CBE5}" type="datetimeFigureOut">
               <a:rPr lang="en-US" smtClean="0"/>
-              <a:t>2/12/19</a:t>
+              <a:t>2/13/19</a:t>
             </a:fld>
             <a:endParaRPr lang="en-US"/>
           </a:p>
@@ -2070,7 +2071,7 @@
           <a:p>
             <a:fld id="{565434B3-B695-2543-B867-A174A411CBE5}" type="datetimeFigureOut">
               <a:rPr lang="en-US" smtClean="0"/>
-              <a:t>2/12/19</a:t>
+              <a:t>2/13/19</a:t>
             </a:fld>
             <a:endParaRPr lang="en-US"/>
           </a:p>
@@ -2381,7 +2382,7 @@
           <a:p>
             <a:fld id="{565434B3-B695-2543-B867-A174A411CBE5}" type="datetimeFigureOut">
               <a:rPr lang="en-US" smtClean="0"/>
-              <a:t>2/12/19</a:t>
+              <a:t>2/13/19</a:t>
             </a:fld>
             <a:endParaRPr lang="en-US"/>
           </a:p>
@@ -2669,7 +2670,7 @@
           <a:p>
             <a:fld id="{565434B3-B695-2543-B867-A174A411CBE5}" type="datetimeFigureOut">
               <a:rPr lang="en-US" smtClean="0"/>
-              <a:t>2/12/19</a:t>
+              <a:t>2/13/19</a:t>
             </a:fld>
             <a:endParaRPr lang="en-US"/>
           </a:p>
@@ -2910,7 +2911,7 @@
           <a:p>
             <a:fld id="{565434B3-B695-2543-B867-A174A411CBE5}" type="datetimeFigureOut">
               <a:rPr lang="en-US" smtClean="0"/>
-              <a:t>2/12/19</a:t>
+              <a:t>2/13/19</a:t>
             </a:fld>
             <a:endParaRPr lang="en-US"/>
           </a:p>
@@ -8715,6 +8716,483 @@
 </p:sld>
 </file>
 
+<file path=ppt/slides/slide3.xml><?xml version="1.0" encoding="utf-8"?>
+<p:sld xmlns:a="http://schemas.openxmlformats.org/drawingml/2006/main" xmlns:r="http://schemas.openxmlformats.org/officeDocument/2006/relationships" xmlns:p="http://schemas.openxmlformats.org/presentationml/2006/main">
+  <p:cSld>
+    <p:spTree>
+      <p:nvGrpSpPr>
+        <p:cNvPr id="1" name=""/>
+        <p:cNvGrpSpPr/>
+        <p:nvPr/>
+      </p:nvGrpSpPr>
+      <p:grpSpPr>
+        <a:xfrm>
+          <a:off x="0" y="0"/>
+          <a:ext cx="0" cy="0"/>
+          <a:chOff x="0" y="0"/>
+          <a:chExt cx="0" cy="0"/>
+        </a:xfrm>
+      </p:grpSpPr>
+      <p:sp>
+        <p:nvSpPr>
+          <p:cNvPr id="4" name="Rectangle 104">
+            <a:extLst>
+              <a:ext uri="{FF2B5EF4-FFF2-40B4-BE49-F238E27FC236}">
+                <a16:creationId xmlns:a16="http://schemas.microsoft.com/office/drawing/2014/main" id="{CDFCAF26-5A62-6947-ABD7-10016C6E6CF4}"/>
+              </a:ext>
+            </a:extLst>
+          </p:cNvPr>
+          <p:cNvSpPr/>
+          <p:nvPr/>
+        </p:nvSpPr>
+        <p:spPr>
+          <a:xfrm>
+            <a:off x="585280" y="747105"/>
+            <a:ext cx="10011383" cy="1159516"/>
+          </a:xfrm>
+          <a:prstGeom prst="rect">
+            <a:avLst/>
+          </a:prstGeom>
+          <a:solidFill>
+            <a:schemeClr val="bg1"/>
+          </a:solidFill>
+        </p:spPr>
+        <p:style>
+          <a:lnRef idx="2">
+            <a:schemeClr val="accent1">
+              <a:shade val="50000"/>
+            </a:schemeClr>
+          </a:lnRef>
+          <a:fillRef idx="1">
+            <a:schemeClr val="accent1"/>
+          </a:fillRef>
+          <a:effectRef idx="0">
+            <a:schemeClr val="accent1"/>
+          </a:effectRef>
+          <a:fontRef idx="minor">
+            <a:schemeClr val="lt1"/>
+          </a:fontRef>
+        </p:style>
+        <p:txBody>
+          <a:bodyPr rot="0" spcFirstLastPara="0" vertOverflow="overflow" horzOverflow="overflow" vert="horz" wrap="square" lIns="91440" tIns="45720" rIns="91440" bIns="45720" numCol="1" spcCol="0" rtlCol="0" fromWordArt="0" anchor="ctr" anchorCtr="0" forceAA="0" compatLnSpc="1">
+            <a:prstTxWarp prst="textNoShape">
+              <a:avLst/>
+            </a:prstTxWarp>
+            <a:noAutofit/>
+          </a:bodyPr>
+          <a:lstStyle/>
+          <a:p>
+            <a:r>
+              <a:rPr lang="zh-CN" altLang="en-US" sz="1200" dirty="0">
+                <a:solidFill>
+                  <a:schemeClr val="tx1"/>
+                </a:solidFill>
+                <a:latin typeface="Microsoft YaHei Light" panose="020B0502040204020203" pitchFamily="34" charset="-122"/>
+                <a:ea typeface="Microsoft YaHei Light" panose="020B0502040204020203" pitchFamily="34" charset="-122"/>
+              </a:rPr>
+              <a:t>控制后台  </a:t>
+            </a:r>
+            <a:endParaRPr lang="en-US" sz="1200" dirty="0">
+              <a:solidFill>
+                <a:schemeClr val="tx1"/>
+              </a:solidFill>
+              <a:latin typeface="Microsoft YaHei Light" panose="020B0502040204020203" pitchFamily="34" charset="-122"/>
+              <a:ea typeface="Microsoft YaHei Light" panose="020B0502040204020203" pitchFamily="34" charset="-122"/>
+            </a:endParaRPr>
+          </a:p>
+        </p:txBody>
+      </p:sp>
+      <p:sp>
+        <p:nvSpPr>
+          <p:cNvPr id="6" name="Rectangle 45">
+            <a:extLst>
+              <a:ext uri="{FF2B5EF4-FFF2-40B4-BE49-F238E27FC236}">
+                <a16:creationId xmlns:a16="http://schemas.microsoft.com/office/drawing/2014/main" id="{C01EF808-45EF-6B48-9D99-97DA53FC02CF}"/>
+              </a:ext>
+            </a:extLst>
+          </p:cNvPr>
+          <p:cNvSpPr/>
+          <p:nvPr/>
+        </p:nvSpPr>
+        <p:spPr>
+          <a:xfrm>
+            <a:off x="1595336" y="887431"/>
+            <a:ext cx="1819073" cy="325925"/>
+          </a:xfrm>
+          <a:prstGeom prst="rect">
+            <a:avLst/>
+          </a:prstGeom>
+        </p:spPr>
+        <p:style>
+          <a:lnRef idx="2">
+            <a:schemeClr val="accent5"/>
+          </a:lnRef>
+          <a:fillRef idx="1">
+            <a:schemeClr val="lt1"/>
+          </a:fillRef>
+          <a:effectRef idx="0">
+            <a:schemeClr val="accent5"/>
+          </a:effectRef>
+          <a:fontRef idx="minor">
+            <a:schemeClr val="dk1"/>
+          </a:fontRef>
+        </p:style>
+        <p:txBody>
+          <a:bodyPr rtlCol="0" anchor="ctr"/>
+          <a:lstStyle/>
+          <a:p>
+            <a:pPr algn="ctr"/>
+            <a:r>
+              <a:rPr lang="zh-CN" altLang="en-US" sz="1200" dirty="0">
+                <a:latin typeface="Microsoft YaHei Light" panose="020B0502040204020203" pitchFamily="34" charset="-122"/>
+                <a:ea typeface="Microsoft YaHei Light" panose="020B0502040204020203" pitchFamily="34" charset="-122"/>
+              </a:rPr>
+              <a:t>启动广告轮播管理后台</a:t>
+            </a:r>
+            <a:endParaRPr lang="en-US" sz="1200" dirty="0">
+              <a:latin typeface="Microsoft YaHei Light" panose="020B0502040204020203" pitchFamily="34" charset="-122"/>
+              <a:ea typeface="Microsoft YaHei Light" panose="020B0502040204020203" pitchFamily="34" charset="-122"/>
+            </a:endParaRPr>
+          </a:p>
+        </p:txBody>
+      </p:sp>
+      <p:sp>
+        <p:nvSpPr>
+          <p:cNvPr id="7" name="Rectangle 45">
+            <a:extLst>
+              <a:ext uri="{FF2B5EF4-FFF2-40B4-BE49-F238E27FC236}">
+                <a16:creationId xmlns:a16="http://schemas.microsoft.com/office/drawing/2014/main" id="{B436DD4D-68B9-E546-AD20-73CDEB7E6E96}"/>
+              </a:ext>
+            </a:extLst>
+          </p:cNvPr>
+          <p:cNvSpPr/>
+          <p:nvPr/>
+        </p:nvSpPr>
+        <p:spPr>
+          <a:xfrm>
+            <a:off x="3715506" y="887431"/>
+            <a:ext cx="1547157" cy="325925"/>
+          </a:xfrm>
+          <a:prstGeom prst="rect">
+            <a:avLst/>
+          </a:prstGeom>
+        </p:spPr>
+        <p:style>
+          <a:lnRef idx="2">
+            <a:schemeClr val="accent5"/>
+          </a:lnRef>
+          <a:fillRef idx="1">
+            <a:schemeClr val="lt1"/>
+          </a:fillRef>
+          <a:effectRef idx="0">
+            <a:schemeClr val="accent5"/>
+          </a:effectRef>
+          <a:fontRef idx="minor">
+            <a:schemeClr val="dk1"/>
+          </a:fontRef>
+        </p:style>
+        <p:txBody>
+          <a:bodyPr rtlCol="0" anchor="ctr"/>
+          <a:lstStyle/>
+          <a:p>
+            <a:pPr algn="ctr"/>
+            <a:r>
+              <a:rPr lang="zh-CN" altLang="en-US" sz="1200" dirty="0">
+                <a:latin typeface="Microsoft YaHei Light" panose="020B0502040204020203" pitchFamily="34" charset="-122"/>
+                <a:ea typeface="Microsoft YaHei Light" panose="020B0502040204020203" pitchFamily="34" charset="-122"/>
+              </a:rPr>
+              <a:t>统计数据报表后台</a:t>
+            </a:r>
+            <a:endParaRPr lang="en-US" sz="1200" dirty="0">
+              <a:latin typeface="Microsoft YaHei Light" panose="020B0502040204020203" pitchFamily="34" charset="-122"/>
+              <a:ea typeface="Microsoft YaHei Light" panose="020B0502040204020203" pitchFamily="34" charset="-122"/>
+            </a:endParaRPr>
+          </a:p>
+        </p:txBody>
+      </p:sp>
+      <p:sp>
+        <p:nvSpPr>
+          <p:cNvPr id="8" name="Rectangle 45">
+            <a:extLst>
+              <a:ext uri="{FF2B5EF4-FFF2-40B4-BE49-F238E27FC236}">
+                <a16:creationId xmlns:a16="http://schemas.microsoft.com/office/drawing/2014/main" id="{0B29D033-F3AE-0441-A731-AB0091972C5A}"/>
+              </a:ext>
+            </a:extLst>
+          </p:cNvPr>
+          <p:cNvSpPr/>
+          <p:nvPr/>
+        </p:nvSpPr>
+        <p:spPr>
+          <a:xfrm>
+            <a:off x="1595335" y="1397026"/>
+            <a:ext cx="2033081" cy="325925"/>
+          </a:xfrm>
+          <a:prstGeom prst="rect">
+            <a:avLst/>
+          </a:prstGeom>
+        </p:spPr>
+        <p:style>
+          <a:lnRef idx="2">
+            <a:schemeClr val="accent5"/>
+          </a:lnRef>
+          <a:fillRef idx="1">
+            <a:schemeClr val="lt1"/>
+          </a:fillRef>
+          <a:effectRef idx="0">
+            <a:schemeClr val="accent5"/>
+          </a:effectRef>
+          <a:fontRef idx="minor">
+            <a:schemeClr val="dk1"/>
+          </a:fontRef>
+        </p:style>
+        <p:txBody>
+          <a:bodyPr rtlCol="0" anchor="ctr"/>
+          <a:lstStyle/>
+          <a:p>
+            <a:pPr algn="ctr"/>
+            <a:r>
+              <a:rPr lang="zh-CN" altLang="en-US" sz="1200" dirty="0">
+                <a:latin typeface="Microsoft YaHei Light" panose="020B0502040204020203" pitchFamily="34" charset="-122"/>
+                <a:ea typeface="Microsoft YaHei Light" panose="020B0502040204020203" pitchFamily="34" charset="-122"/>
+              </a:rPr>
+              <a:t>多发布环境部署</a:t>
+            </a:r>
+            <a:endParaRPr lang="en-US" sz="1200" dirty="0">
+              <a:latin typeface="Microsoft YaHei Light" panose="020B0502040204020203" pitchFamily="34" charset="-122"/>
+              <a:ea typeface="Microsoft YaHei Light" panose="020B0502040204020203" pitchFamily="34" charset="-122"/>
+            </a:endParaRPr>
+          </a:p>
+        </p:txBody>
+      </p:sp>
+      <p:sp>
+        <p:nvSpPr>
+          <p:cNvPr id="9" name="Rectangle 45">
+            <a:extLst>
+              <a:ext uri="{FF2B5EF4-FFF2-40B4-BE49-F238E27FC236}">
+                <a16:creationId xmlns:a16="http://schemas.microsoft.com/office/drawing/2014/main" id="{29CA7858-DAD9-9C4F-B0EC-64621BA9D6C5}"/>
+              </a:ext>
+            </a:extLst>
+          </p:cNvPr>
+          <p:cNvSpPr/>
+          <p:nvPr/>
+        </p:nvSpPr>
+        <p:spPr>
+          <a:xfrm>
+            <a:off x="3861421" y="1397026"/>
+            <a:ext cx="1050068" cy="325925"/>
+          </a:xfrm>
+          <a:prstGeom prst="rect">
+            <a:avLst/>
+          </a:prstGeom>
+        </p:spPr>
+        <p:style>
+          <a:lnRef idx="2">
+            <a:schemeClr val="accent5"/>
+          </a:lnRef>
+          <a:fillRef idx="1">
+            <a:schemeClr val="lt1"/>
+          </a:fillRef>
+          <a:effectRef idx="0">
+            <a:schemeClr val="accent5"/>
+          </a:effectRef>
+          <a:fontRef idx="minor">
+            <a:schemeClr val="dk1"/>
+          </a:fontRef>
+        </p:style>
+        <p:txBody>
+          <a:bodyPr rtlCol="0" anchor="ctr"/>
+          <a:lstStyle/>
+          <a:p>
+            <a:pPr algn="ctr"/>
+            <a:r>
+              <a:rPr lang="zh-CN" altLang="en-US" sz="1200" dirty="0">
+                <a:latin typeface="Microsoft YaHei Light" panose="020B0502040204020203" pitchFamily="34" charset="-122"/>
+                <a:ea typeface="Microsoft YaHei Light" panose="020B0502040204020203" pitchFamily="34" charset="-122"/>
+              </a:rPr>
+              <a:t>日志后台</a:t>
+            </a:r>
+            <a:endParaRPr lang="en-US" sz="1200" dirty="0">
+              <a:latin typeface="Microsoft YaHei Light" panose="020B0502040204020203" pitchFamily="34" charset="-122"/>
+              <a:ea typeface="Microsoft YaHei Light" panose="020B0502040204020203" pitchFamily="34" charset="-122"/>
+            </a:endParaRPr>
+          </a:p>
+        </p:txBody>
+      </p:sp>
+      <p:sp>
+        <p:nvSpPr>
+          <p:cNvPr id="10" name="Rectangle 45">
+            <a:extLst>
+              <a:ext uri="{FF2B5EF4-FFF2-40B4-BE49-F238E27FC236}">
+                <a16:creationId xmlns:a16="http://schemas.microsoft.com/office/drawing/2014/main" id="{F0DA020E-B3A7-BF4B-8964-CEDE2B9FAF64}"/>
+              </a:ext>
+            </a:extLst>
+          </p:cNvPr>
+          <p:cNvSpPr/>
+          <p:nvPr/>
+        </p:nvSpPr>
+        <p:spPr>
+          <a:xfrm>
+            <a:off x="5197476" y="1397026"/>
+            <a:ext cx="1203324" cy="325925"/>
+          </a:xfrm>
+          <a:prstGeom prst="rect">
+            <a:avLst/>
+          </a:prstGeom>
+        </p:spPr>
+        <p:style>
+          <a:lnRef idx="2">
+            <a:schemeClr val="accent5"/>
+          </a:lnRef>
+          <a:fillRef idx="1">
+            <a:schemeClr val="lt1"/>
+          </a:fillRef>
+          <a:effectRef idx="0">
+            <a:schemeClr val="accent5"/>
+          </a:effectRef>
+          <a:fontRef idx="minor">
+            <a:schemeClr val="dk1"/>
+          </a:fontRef>
+        </p:style>
+        <p:txBody>
+          <a:bodyPr rtlCol="0" anchor="ctr"/>
+          <a:lstStyle/>
+          <a:p>
+            <a:pPr algn="ctr"/>
+            <a:r>
+              <a:rPr lang="zh-CN" altLang="en-US" sz="1200" dirty="0">
+                <a:latin typeface="Microsoft YaHei Light" panose="020B0502040204020203" pitchFamily="34" charset="-122"/>
+                <a:ea typeface="Microsoft YaHei Light" panose="020B0502040204020203" pitchFamily="34" charset="-122"/>
+              </a:rPr>
+              <a:t>推送管理后台</a:t>
+            </a:r>
+            <a:endParaRPr lang="en-US" sz="1200" dirty="0">
+              <a:latin typeface="Microsoft YaHei Light" panose="020B0502040204020203" pitchFamily="34" charset="-122"/>
+              <a:ea typeface="Microsoft YaHei Light" panose="020B0502040204020203" pitchFamily="34" charset="-122"/>
+            </a:endParaRPr>
+          </a:p>
+        </p:txBody>
+      </p:sp>
+      <p:sp>
+        <p:nvSpPr>
+          <p:cNvPr id="11" name="Rectangle 45">
+            <a:extLst>
+              <a:ext uri="{FF2B5EF4-FFF2-40B4-BE49-F238E27FC236}">
+                <a16:creationId xmlns:a16="http://schemas.microsoft.com/office/drawing/2014/main" id="{7D7E99BF-1AEA-844B-BB6F-5085C679F9E0}"/>
+              </a:ext>
+            </a:extLst>
+          </p:cNvPr>
+          <p:cNvSpPr/>
+          <p:nvPr/>
+        </p:nvSpPr>
+        <p:spPr>
+          <a:xfrm>
+            <a:off x="5570965" y="887431"/>
+            <a:ext cx="1547157" cy="325925"/>
+          </a:xfrm>
+          <a:prstGeom prst="rect">
+            <a:avLst/>
+          </a:prstGeom>
+        </p:spPr>
+        <p:style>
+          <a:lnRef idx="2">
+            <a:schemeClr val="accent5"/>
+          </a:lnRef>
+          <a:fillRef idx="1">
+            <a:schemeClr val="lt1"/>
+          </a:fillRef>
+          <a:effectRef idx="0">
+            <a:schemeClr val="accent5"/>
+          </a:effectRef>
+          <a:fontRef idx="minor">
+            <a:schemeClr val="dk1"/>
+          </a:fontRef>
+        </p:style>
+        <p:txBody>
+          <a:bodyPr rtlCol="0" anchor="ctr"/>
+          <a:lstStyle/>
+          <a:p>
+            <a:pPr algn="ctr"/>
+            <a:r>
+              <a:rPr lang="zh-CN" altLang="en-US" sz="1200" dirty="0">
+                <a:latin typeface="Microsoft YaHei Light" panose="020B0502040204020203" pitchFamily="34" charset="-122"/>
+                <a:ea typeface="Microsoft YaHei Light" panose="020B0502040204020203" pitchFamily="34" charset="-122"/>
+              </a:rPr>
+              <a:t>账号管理后台</a:t>
+            </a:r>
+            <a:endParaRPr lang="en-US" altLang="zh-CN" sz="1200" dirty="0">
+              <a:latin typeface="Microsoft YaHei Light" panose="020B0502040204020203" pitchFamily="34" charset="-122"/>
+              <a:ea typeface="Microsoft YaHei Light" panose="020B0502040204020203" pitchFamily="34" charset="-122"/>
+            </a:endParaRPr>
+          </a:p>
+        </p:txBody>
+      </p:sp>
+      <p:sp>
+        <p:nvSpPr>
+          <p:cNvPr id="12" name="Rectangle 45">
+            <a:extLst>
+              <a:ext uri="{FF2B5EF4-FFF2-40B4-BE49-F238E27FC236}">
+                <a16:creationId xmlns:a16="http://schemas.microsoft.com/office/drawing/2014/main" id="{1F6BD66B-228E-D94C-BDD9-B4F8EC600457}"/>
+              </a:ext>
+            </a:extLst>
+          </p:cNvPr>
+          <p:cNvSpPr/>
+          <p:nvPr/>
+        </p:nvSpPr>
+        <p:spPr>
+          <a:xfrm>
+            <a:off x="6573633" y="1397026"/>
+            <a:ext cx="1547156" cy="325925"/>
+          </a:xfrm>
+          <a:prstGeom prst="rect">
+            <a:avLst/>
+          </a:prstGeom>
+        </p:spPr>
+        <p:style>
+          <a:lnRef idx="2">
+            <a:schemeClr val="accent5"/>
+          </a:lnRef>
+          <a:fillRef idx="1">
+            <a:schemeClr val="lt1"/>
+          </a:fillRef>
+          <a:effectRef idx="0">
+            <a:schemeClr val="accent5"/>
+          </a:effectRef>
+          <a:fontRef idx="minor">
+            <a:schemeClr val="dk1"/>
+          </a:fontRef>
+        </p:style>
+        <p:txBody>
+          <a:bodyPr rtlCol="0" anchor="ctr"/>
+          <a:lstStyle/>
+          <a:p>
+            <a:pPr algn="ctr"/>
+            <a:r>
+              <a:rPr lang="zh-CN" altLang="en-US" sz="1200" dirty="0">
+                <a:latin typeface="Microsoft YaHei Light" panose="020B0502040204020203" pitchFamily="34" charset="-122"/>
+                <a:ea typeface="Microsoft YaHei Light" panose="020B0502040204020203" pitchFamily="34" charset="-122"/>
+              </a:rPr>
+              <a:t>业务需求其它后台</a:t>
+            </a:r>
+            <a:endParaRPr lang="en-US" sz="1200" dirty="0">
+              <a:latin typeface="Microsoft YaHei Light" panose="020B0502040204020203" pitchFamily="34" charset="-122"/>
+              <a:ea typeface="Microsoft YaHei Light" panose="020B0502040204020203" pitchFamily="34" charset="-122"/>
+            </a:endParaRPr>
+          </a:p>
+        </p:txBody>
+      </p:sp>
+    </p:spTree>
+    <p:extLst>
+      <p:ext uri="{BB962C8B-B14F-4D97-AF65-F5344CB8AC3E}">
+        <p14:creationId xmlns:p14="http://schemas.microsoft.com/office/powerpoint/2010/main" val="2345331556"/>
+      </p:ext>
+    </p:extLst>
+  </p:cSld>
+  <p:clrMapOvr>
+    <a:masterClrMapping/>
+  </p:clrMapOvr>
+</p:sld>
+</file>
+
 <file path=ppt/theme/theme1.xml><?xml version="1.0" encoding="utf-8"?>
 <a:theme xmlns:a="http://schemas.openxmlformats.org/drawingml/2006/main" name="Office Theme">
   <a:themeElements>
